--- a/docs/week-1-intro/ce205-week-1-intro.md_word.pptx
+++ b/docs/week-1-intro/ce205-week-1-intro.md_word.pptx
@@ -20,6 +20,11 @@
     <p:sldId id="268" r:id="rId14"/>
     <p:sldId id="269" r:id="rId15"/>
     <p:sldId id="270" r:id="rId16"/>
+    <p:sldId id="271" r:id="rId17"/>
+    <p:sldId id="272" r:id="rId18"/>
+    <p:sldId id="273" r:id="rId19"/>
+    <p:sldId id="274" r:id="rId20"/>
+    <p:sldId id="275" r:id="rId21"/>
   </p:sldIdLst>
   <p:sldSz cx="9144000" cy="6858000" type="screen4x3"/>
   <p:notesSz cx="6858000" cy="9144000"/>
@@ -3240,6 +3245,31 @@
       </p:grpSpPr>
       <p:sp>
         <p:nvSpPr>
+          <p:cNvPr id="2" name="Title 1"/>
+          <p:cNvSpPr>
+            <a:spLocks noGrp="1"/>
+          </p:cNvSpPr>
+          <p:nvPr>
+            <p:ph type="title"/>
+          </p:nvPr>
+        </p:nvSpPr>
+        <p:spPr/>
+        <p:txBody>
+          <a:bodyPr/>
+          <a:lstStyle/>
+          <a:p>
+            <a:pPr lvl="0" indent="0" marL="0">
+              <a:buNone/>
+            </a:pPr>
+            <a:r>
+              <a:rPr/>
+              <a:t>Data Mapping</a:t>
+            </a:r>
+          </a:p>
+        </p:txBody>
+      </p:sp>
+      <p:sp>
+        <p:nvSpPr>
           <p:cNvPr id="3" name="Content Placeholder 2"/>
           <p:cNvSpPr>
             <a:spLocks noGrp="1"/>
@@ -3258,29 +3288,16 @@
             </a:pPr>
             <a:r>
               <a:rPr/>
-              <a:t>Implementing Pointer and Objects</a:t>
+              <a:t>Data and Variables</a:t>
             </a:r>
           </a:p>
           <a:p>
             <a:pPr lvl="0"/>
-            <a:r>
-              <a:rPr/>
-              <a:t>Check </a:t>
-            </a:r>
             <a:r>
               <a:rPr>
                 <a:hlinkClick r:id="rId2"/>
               </a:rPr>
-              <a:t>CS50 Pointer Notes</a:t>
-            </a:r>
-          </a:p>
-          <a:p>
-            <a:pPr lvl="0"/>
-            <a:r>
-              <a:rPr>
-                <a:hlinkClick r:id="rId3"/>
-              </a:rPr>
-              <a:t>Week 0 - CS50</a:t>
+              <a:t>C++ Data Types</a:t>
             </a:r>
           </a:p>
         </p:txBody>
@@ -3309,6 +3326,31 @@
       </p:grpSpPr>
       <p:sp>
         <p:nvSpPr>
+          <p:cNvPr id="2" name="Title 1"/>
+          <p:cNvSpPr>
+            <a:spLocks noGrp="1"/>
+          </p:cNvSpPr>
+          <p:nvPr>
+            <p:ph type="title"/>
+          </p:nvPr>
+        </p:nvSpPr>
+        <p:spPr/>
+        <p:txBody>
+          <a:bodyPr/>
+          <a:lstStyle/>
+          <a:p>
+            <a:pPr lvl="0" indent="0" marL="0">
+              <a:buNone/>
+            </a:pPr>
+            <a:r>
+              <a:rPr/>
+              <a:t>Data Structure Selection</a:t>
+            </a:r>
+          </a:p>
+        </p:txBody>
+      </p:sp>
+      <p:sp>
+        <p:nvSpPr>
           <p:cNvPr id="3" name="Content Placeholder 2"/>
           <p:cNvSpPr>
             <a:spLocks noGrp="1"/>
@@ -3322,26 +3364,30 @@
           <a:bodyPr/>
           <a:lstStyle/>
           <a:p>
+            <a:pPr lvl="0" indent="0" marL="0">
+              <a:buNone/>
+            </a:pPr>
+            <a:r>
+              <a:rPr/>
+              <a:t>Linear &amp; Non-Linear Data Structures</a:t>
+            </a:r>
+          </a:p>
+          <a:p>
             <a:pPr lvl="0"/>
-            <a:r>
-              <a:rPr/>
-              <a:t>ASN.1 / BER TLV / PER TLV</a:t>
-            </a:r>
-          </a:p>
-          <a:p>
-            <a:pPr lvl="1"/>
-            <a:r>
-              <a:rPr/>
-              <a:t>http://lionet.info/asn1c/download.html</a:t>
-            </a:r>
-          </a:p>
-          <a:p>
-            <a:pPr lvl="1"/>
             <a:r>
               <a:rPr>
                 <a:hlinkClick r:id="rId2"/>
               </a:rPr>
-              <a:t>GitHub - ucoruh/asn1c-wsl-sample: ASN.1 C WSL and Windows Execution, Debugging and Code Generation Sample</a:t>
+              <a:t>Data Structures Tutorials - Linear and Non-linear types</a:t>
+            </a:r>
+          </a:p>
+          <a:p>
+            <a:pPr lvl="0"/>
+            <a:r>
+              <a:rPr>
+                <a:hlinkClick r:id="rId3"/>
+              </a:rPr>
+              <a:t>Data Structure and Types</a:t>
             </a:r>
           </a:p>
         </p:txBody>
@@ -3370,6 +3416,31 @@
       </p:grpSpPr>
       <p:sp>
         <p:nvSpPr>
+          <p:cNvPr id="2" name="Title 1"/>
+          <p:cNvSpPr>
+            <a:spLocks noGrp="1"/>
+          </p:cNvSpPr>
+          <p:nvPr>
+            <p:ph type="title"/>
+          </p:nvPr>
+        </p:nvSpPr>
+        <p:spPr/>
+        <p:txBody>
+          <a:bodyPr/>
+          <a:lstStyle/>
+          <a:p>
+            <a:pPr lvl="0" indent="0" marL="0">
+              <a:buNone/>
+            </a:pPr>
+            <a:r>
+              <a:rPr/>
+              <a:t>Data Structure References</a:t>
+            </a:r>
+          </a:p>
+        </p:txBody>
+      </p:sp>
+      <p:sp>
+        <p:nvSpPr>
           <p:cNvPr id="3" name="Content Placeholder 2"/>
           <p:cNvSpPr>
             <a:spLocks noGrp="1"/>
@@ -3383,17 +3454,34 @@
           <a:bodyPr/>
           <a:lstStyle/>
           <a:p>
+            <a:pPr lvl="0" indent="0" marL="0">
+              <a:buNone/>
+            </a:pPr>
+            <a:r>
+              <a:rPr/>
+              <a:t>Implementing Pointer and Objects</a:t>
+            </a:r>
+          </a:p>
+          <a:p>
             <a:pPr lvl="0"/>
             <a:r>
               <a:rPr/>
-              <a:t>Sample Standard for ASN.1 Usage</a:t>
-            </a:r>
-          </a:p>
-          <a:p>
-            <a:pPr lvl="1"/>
-            <a:r>
-              <a:rPr/>
-              <a:t>https://www.etsi.org/deliver/etsi_ts/125400_125499/125413/04.09.00_60/ts_125413v040900p.pdf</a:t>
+              <a:t>Check </a:t>
+            </a:r>
+            <a:r>
+              <a:rPr>
+                <a:hlinkClick r:id="rId2"/>
+              </a:rPr>
+              <a:t>CS50 Pointer Notes</a:t>
+            </a:r>
+          </a:p>
+          <a:p>
+            <a:pPr lvl="0"/>
+            <a:r>
+              <a:rPr>
+                <a:hlinkClick r:id="rId3"/>
+              </a:rPr>
+              <a:t>Week 0 - CS50</a:t>
             </a:r>
           </a:p>
         </p:txBody>
@@ -3422,6 +3510,31 @@
       </p:grpSpPr>
       <p:sp>
         <p:nvSpPr>
+          <p:cNvPr id="2" name="Title 1"/>
+          <p:cNvSpPr>
+            <a:spLocks noGrp="1"/>
+          </p:cNvSpPr>
+          <p:nvPr>
+            <p:ph type="title"/>
+          </p:nvPr>
+        </p:nvSpPr>
+        <p:spPr/>
+        <p:txBody>
+          <a:bodyPr/>
+          <a:lstStyle/>
+          <a:p>
+            <a:pPr lvl="0" indent="0" marL="0">
+              <a:buNone/>
+            </a:pPr>
+            <a:r>
+              <a:rPr/>
+              <a:t>Industrial Data Standards</a:t>
+            </a:r>
+          </a:p>
+        </p:txBody>
+      </p:sp>
+      <p:sp>
+        <p:nvSpPr>
           <p:cNvPr id="3" name="Content Placeholder 2"/>
           <p:cNvSpPr>
             <a:spLocks noGrp="1"/>
@@ -3438,7 +3551,14 @@
             <a:pPr lvl="0"/>
             <a:r>
               <a:rPr/>
-              <a:t>Payment BER TLV Parser Sample</a:t>
+              <a:t>ASN.1 / BER TLV / PER TLV</a:t>
+            </a:r>
+          </a:p>
+          <a:p>
+            <a:pPr lvl="1"/>
+            <a:r>
+              <a:rPr/>
+              <a:t>http://lionet.info/asn1c/download.html</a:t>
             </a:r>
           </a:p>
           <a:p>
@@ -3447,14 +3567,16 @@
               <a:rPr>
                 <a:hlinkClick r:id="rId2"/>
               </a:rPr>
-              <a:t>TLV Utilities</a:t>
+              <a:t>GitHub - ucoruh/asn1c-wsl-sample: ASN.1 C WSL and Windows Execution, Debugging and Code Generation Sample</a:t>
             </a:r>
           </a:p>
           <a:p>
             <a:pPr lvl="1"/>
             <a:r>
-              <a:rPr/>
-              <a:t>https://paymentcardtools.com/</a:t>
+              <a:rPr>
+                <a:hlinkClick r:id="rId3"/>
+              </a:rPr>
+              <a:t>Open Source ASN.1 Compiler: asn1c 0.9.28</a:t>
             </a:r>
           </a:p>
         </p:txBody>
@@ -3483,6 +3605,31 @@
       </p:grpSpPr>
       <p:sp>
         <p:nvSpPr>
+          <p:cNvPr id="2" name="Title 1"/>
+          <p:cNvSpPr>
+            <a:spLocks noGrp="1"/>
+          </p:cNvSpPr>
+          <p:nvPr>
+            <p:ph type="title"/>
+          </p:nvPr>
+        </p:nvSpPr>
+        <p:spPr/>
+        <p:txBody>
+          <a:bodyPr/>
+          <a:lstStyle/>
+          <a:p>
+            <a:pPr lvl="0" indent="0" marL="0">
+              <a:buNone/>
+            </a:pPr>
+            <a:r>
+              <a:rPr/>
+              <a:t>Industrial Data Standards - Telco</a:t>
+            </a:r>
+          </a:p>
+        </p:txBody>
+      </p:sp>
+      <p:sp>
+        <p:nvSpPr>
           <p:cNvPr id="3" name="Content Placeholder 2"/>
           <p:cNvSpPr>
             <a:spLocks noGrp="1"/>
@@ -3496,12 +3643,17 @@
           <a:bodyPr/>
           <a:lstStyle/>
           <a:p>
-            <a:pPr lvl="0" indent="0" marL="0">
-              <a:buNone/>
-            </a:pPr>
-            <a:r>
-              <a:rPr/>
-              <a:t>Week-1 End</a:t>
+            <a:pPr lvl="0"/>
+            <a:r>
+              <a:rPr/>
+              <a:t>Sample Standard for ASN.1 Usage</a:t>
+            </a:r>
+          </a:p>
+          <a:p>
+            <a:pPr lvl="1"/>
+            <a:r>
+              <a:rPr/>
+              <a:t>https://www.etsi.org/deliver/etsi_ts/125400_125499/125413/04.09.00_60/ts_125413v040900p.pdf</a:t>
             </a:r>
           </a:p>
         </p:txBody>
@@ -3538,12 +3690,7 @@
             <p:ph type="title"/>
           </p:nvPr>
         </p:nvSpPr>
-        <p:spPr>
-          <a:xfrm>
-            <a:off x="722313" y="4406900"/>
-            <a:ext cx="7772400" cy="1362075"/>
-          </a:xfrm>
-        </p:spPr>
+        <p:spPr/>
         <p:txBody>
           <a:bodyPr/>
           <a:lstStyle/>
@@ -3553,7 +3700,466 @@
             </a:pPr>
             <a:r>
               <a:rPr/>
-              <a:t>Week-1 End</a:t>
+              <a:t>Industrial Data Standards - Payment</a:t>
+            </a:r>
+          </a:p>
+        </p:txBody>
+      </p:sp>
+      <p:sp>
+        <p:nvSpPr>
+          <p:cNvPr id="3" name="Content Placeholder 2"/>
+          <p:cNvSpPr>
+            <a:spLocks noGrp="1"/>
+          </p:cNvSpPr>
+          <p:nvPr>
+            <p:ph idx="1"/>
+          </p:nvPr>
+        </p:nvSpPr>
+        <p:spPr/>
+        <p:txBody>
+          <a:bodyPr/>
+          <a:lstStyle/>
+          <a:p>
+            <a:pPr lvl="0"/>
+            <a:r>
+              <a:rPr/>
+              <a:t>Payment BER TLV Parser Sample</a:t>
+            </a:r>
+          </a:p>
+          <a:p>
+            <a:pPr lvl="1"/>
+            <a:r>
+              <a:rPr>
+                <a:hlinkClick r:id="rId2"/>
+              </a:rPr>
+              <a:t>TLV Utilities</a:t>
+            </a:r>
+          </a:p>
+          <a:p>
+            <a:pPr lvl="1"/>
+            <a:r>
+              <a:rPr/>
+              <a:t>https://paymentcardtools.com/</a:t>
+            </a:r>
+          </a:p>
+        </p:txBody>
+      </p:sp>
+    </p:spTree>
+  </p:cSld>
+</p:sld>
+</file>
+
+<file path=ppt/slides/slide16.xml><?xml version="1.0" encoding="utf-8"?>
+<p:sld xmlns:a="http://schemas.openxmlformats.org/drawingml/2006/main" xmlns:r="http://schemas.openxmlformats.org/officeDocument/2006/relationships" xmlns:p="http://schemas.openxmlformats.org/presentationml/2006/main">
+  <p:cSld>
+    <p:spTree>
+      <p:nvGrpSpPr>
+        <p:cNvPr id="1" name=""/>
+        <p:cNvGrpSpPr/>
+        <p:nvPr/>
+      </p:nvGrpSpPr>
+      <p:grpSpPr>
+        <a:xfrm>
+          <a:off x="0" y="0"/>
+          <a:ext cx="0" cy="0"/>
+          <a:chOff x="0" y="0"/>
+          <a:chExt cx="0" cy="0"/>
+        </a:xfrm>
+      </p:grpSpPr>
+      <p:sp>
+        <p:nvSpPr>
+          <p:cNvPr id="2" name="Title 1"/>
+          <p:cNvSpPr>
+            <a:spLocks noGrp="1"/>
+          </p:cNvSpPr>
+          <p:nvPr>
+            <p:ph type="title"/>
+          </p:nvPr>
+        </p:nvSpPr>
+        <p:spPr/>
+        <p:txBody>
+          <a:bodyPr/>
+          <a:lstStyle/>
+          <a:p>
+            <a:pPr lvl="0" indent="0" marL="0">
+              <a:buNone/>
+            </a:pPr>
+            <a:r>
+              <a:rPr/>
+              <a:t>Industrial Data Standards - Telco</a:t>
+            </a:r>
+          </a:p>
+        </p:txBody>
+      </p:sp>
+      <p:sp>
+        <p:nvSpPr>
+          <p:cNvPr id="3" name="Content Placeholder 2"/>
+          <p:cNvSpPr>
+            <a:spLocks noGrp="1"/>
+          </p:cNvSpPr>
+          <p:nvPr>
+            <p:ph idx="1"/>
+          </p:nvPr>
+        </p:nvSpPr>
+        <p:spPr/>
+        <p:txBody>
+          <a:bodyPr/>
+          <a:lstStyle/>
+          <a:p>
+            <a:pPr lvl="0" indent="0" marL="0">
+              <a:spcBef>
+                <a:spcPts val="3000"/>
+              </a:spcBef>
+              <a:buNone/>
+            </a:pPr>
+            <a:r>
+              <a:rPr b="1"/>
+              <a:t>ASN.1 Standartları</a:t>
+            </a:r>
+          </a:p>
+          <a:p>
+            <a:pPr lvl="0"/>
+            <a:r>
+              <a:rPr/>
+              <a:t>ETSI</a:t>
+            </a:r>
+          </a:p>
+          <a:p>
+            <a:pPr lvl="1"/>
+            <a:r>
+              <a:rPr/>
+              <a:t>https://portal.etsi.org/Services/Centre-for-Testing-Interoperability/ETSI-Approach/Specification-Languages/ASN1</a:t>
+            </a:r>
+          </a:p>
+          <a:p>
+            <a:pPr lvl="0"/>
+            <a:r>
+              <a:rPr/>
+              <a:t>ITU-T</a:t>
+            </a:r>
+          </a:p>
+          <a:p>
+            <a:pPr lvl="1"/>
+            <a:r>
+              <a:rPr/>
+              <a:t>https://www.itu.int/ITU-T/recommendations/fl.aspx?lang=1</a:t>
+            </a:r>
+          </a:p>
+          <a:p>
+            <a:pPr lvl="0"/>
+            <a:r>
+              <a:rPr/>
+              <a:t>ASN.1 Book</a:t>
+            </a:r>
+          </a:p>
+          <a:p>
+            <a:pPr lvl="1"/>
+            <a:r>
+              <a:rPr/>
+              <a:t>https://www.oss.com/asn1/resources/books-whitepapers-pubs/dubuisson-asn1-book.PDF</a:t>
+            </a:r>
+          </a:p>
+        </p:txBody>
+      </p:sp>
+    </p:spTree>
+  </p:cSld>
+</p:sld>
+</file>
+
+<file path=ppt/slides/slide17.xml><?xml version="1.0" encoding="utf-8"?>
+<p:sld xmlns:a="http://schemas.openxmlformats.org/drawingml/2006/main" xmlns:r="http://schemas.openxmlformats.org/officeDocument/2006/relationships" xmlns:p="http://schemas.openxmlformats.org/presentationml/2006/main">
+  <p:cSld>
+    <p:spTree>
+      <p:nvGrpSpPr>
+        <p:cNvPr id="1" name=""/>
+        <p:cNvGrpSpPr/>
+        <p:nvPr/>
+      </p:nvGrpSpPr>
+      <p:grpSpPr>
+        <a:xfrm>
+          <a:off x="0" y="0"/>
+          <a:ext cx="0" cy="0"/>
+          <a:chOff x="0" y="0"/>
+          <a:chExt cx="0" cy="0"/>
+        </a:xfrm>
+      </p:grpSpPr>
+      <p:sp>
+        <p:nvSpPr>
+          <p:cNvPr id="3" name="Content Placeholder 2"/>
+          <p:cNvSpPr>
+            <a:spLocks noGrp="1"/>
+          </p:cNvSpPr>
+          <p:nvPr>
+            <p:ph idx="1"/>
+          </p:nvPr>
+        </p:nvSpPr>
+        <p:spPr/>
+        <p:txBody>
+          <a:bodyPr/>
+          <a:lstStyle/>
+          <a:p>
+            <a:pPr lvl="0" indent="0" marL="0">
+              <a:spcBef>
+                <a:spcPts val="3000"/>
+              </a:spcBef>
+              <a:buNone/>
+            </a:pPr>
+            <a:r>
+              <a:rPr b="1"/>
+              <a:t>Network Measurement Results Data</a:t>
+            </a:r>
+          </a:p>
+          <a:p>
+            <a:pPr lvl="0"/>
+            <a:r>
+              <a:rPr/>
+              <a:t>NMR   </a:t>
+            </a:r>
+          </a:p>
+          <a:p>
+            <a:pPr lvl="1"/>
+            <a:r>
+              <a:rPr/>
+              <a:t>https://www.etsi.org/deliver/etsi_ts/101500_101599/101503/08.27.00_60/ts_101503v082700p.pdf</a:t>
+            </a:r>
+          </a:p>
+          <a:p>
+            <a:pPr lvl="0"/>
+            <a:r>
+              <a:rPr/>
+              <a:t>GSM API</a:t>
+            </a:r>
+          </a:p>
+          <a:p>
+            <a:pPr lvl="1"/>
+            <a:r>
+              <a:rPr/>
+              <a:t>https://www.etsi.org/deliver/etsi_ts/101400_101499/101476/08.04.01_60/ts_101476v080401p.pdf</a:t>
+            </a:r>
+          </a:p>
+          <a:p>
+            <a:pPr lvl="0"/>
+            <a:r>
+              <a:rPr/>
+              <a:t>UTRAN</a:t>
+            </a:r>
+          </a:p>
+          <a:p>
+            <a:pPr lvl="1"/>
+            <a:r>
+              <a:rPr/>
+              <a:t>https://www.etsi.org/deliver/etsi_ts/125300_125399/125331/13.01.00_60/ts_125331v130100p.pdf</a:t>
+            </a:r>
+          </a:p>
+          <a:p>
+            <a:pPr lvl="0"/>
+            <a:r>
+              <a:rPr/>
+              <a:t>E-UTRAN</a:t>
+            </a:r>
+          </a:p>
+          <a:p>
+            <a:pPr lvl="1"/>
+            <a:r>
+              <a:rPr/>
+              <a:t>https://www.etsi.org/deliver/etsi_ts/136300_136399/136331/15.03.00_60/ts_136331v150300p.pdf</a:t>
+            </a:r>
+          </a:p>
+        </p:txBody>
+      </p:sp>
+    </p:spTree>
+  </p:cSld>
+</p:sld>
+</file>
+
+<file path=ppt/slides/slide18.xml><?xml version="1.0" encoding="utf-8"?>
+<p:sld xmlns:a="http://schemas.openxmlformats.org/drawingml/2006/main" xmlns:r="http://schemas.openxmlformats.org/officeDocument/2006/relationships" xmlns:p="http://schemas.openxmlformats.org/presentationml/2006/main">
+  <p:cSld>
+    <p:spTree>
+      <p:nvGrpSpPr>
+        <p:cNvPr id="1" name=""/>
+        <p:cNvGrpSpPr/>
+        <p:nvPr/>
+      </p:nvGrpSpPr>
+      <p:grpSpPr>
+        <a:xfrm>
+          <a:off x="0" y="0"/>
+          <a:ext cx="0" cy="0"/>
+          <a:chOff x="0" y="0"/>
+          <a:chExt cx="0" cy="0"/>
+        </a:xfrm>
+      </p:grpSpPr>
+      <p:sp>
+        <p:nvSpPr>
+          <p:cNvPr id="2" name="Title 1"/>
+          <p:cNvSpPr>
+            <a:spLocks noGrp="1"/>
+          </p:cNvSpPr>
+          <p:nvPr>
+            <p:ph type="title"/>
+          </p:nvPr>
+        </p:nvSpPr>
+        <p:spPr/>
+        <p:txBody>
+          <a:bodyPr/>
+          <a:lstStyle/>
+          <a:p>
+            <a:pPr lvl="0" indent="0" marL="0">
+              <a:buNone/>
+            </a:pPr>
+            <a:r>
+              <a:rPr/>
+              <a:t>Open Source 5G Projects</a:t>
+            </a:r>
+          </a:p>
+        </p:txBody>
+      </p:sp>
+      <p:sp>
+        <p:nvSpPr>
+          <p:cNvPr id="3" name="Content Placeholder 2"/>
+          <p:cNvSpPr>
+            <a:spLocks noGrp="1"/>
+          </p:cNvSpPr>
+          <p:nvPr>
+            <p:ph idx="1"/>
+          </p:nvPr>
+        </p:nvSpPr>
+        <p:spPr/>
+        <p:txBody>
+          <a:bodyPr/>
+          <a:lstStyle/>
+          <a:p>
+            <a:pPr lvl="0"/>
+            <a:r>
+              <a:rPr>
+                <a:hlinkClick r:id="rId2"/>
+              </a:rPr>
+              <a:t>https://open5gs.org/</a:t>
+            </a:r>
+          </a:p>
+          <a:p>
+            <a:pPr lvl="0"/>
+            <a:r>
+              <a:rPr>
+                <a:hlinkClick r:id="rId3"/>
+              </a:rPr>
+              <a:t>5g nr development and setup · Wiki · oai / openairinterface5G · GitLab</a:t>
+            </a:r>
+          </a:p>
+        </p:txBody>
+      </p:sp>
+    </p:spTree>
+  </p:cSld>
+</p:sld>
+</file>
+
+<file path=ppt/slides/slide19.xml><?xml version="1.0" encoding="utf-8"?>
+<p:sld xmlns:a="http://schemas.openxmlformats.org/drawingml/2006/main" xmlns:r="http://schemas.openxmlformats.org/officeDocument/2006/relationships" xmlns:p="http://schemas.openxmlformats.org/presentationml/2006/main">
+  <p:cSld>
+    <p:spTree>
+      <p:nvGrpSpPr>
+        <p:cNvPr id="1" name=""/>
+        <p:cNvGrpSpPr/>
+        <p:nvPr/>
+      </p:nvGrpSpPr>
+      <p:grpSpPr>
+        <a:xfrm>
+          <a:off x="0" y="0"/>
+          <a:ext cx="0" cy="0"/>
+          <a:chOff x="0" y="0"/>
+          <a:chExt cx="0" cy="0"/>
+        </a:xfrm>
+      </p:grpSpPr>
+      <p:sp>
+        <p:nvSpPr>
+          <p:cNvPr id="2" name="Title 1"/>
+          <p:cNvSpPr>
+            <a:spLocks noGrp="1"/>
+          </p:cNvSpPr>
+          <p:nvPr>
+            <p:ph type="title"/>
+          </p:nvPr>
+        </p:nvSpPr>
+        <p:spPr/>
+        <p:txBody>
+          <a:bodyPr/>
+          <a:lstStyle/>
+          <a:p>
+            <a:pPr lvl="0" indent="0" marL="0">
+              <a:buNone/>
+            </a:pPr>
+            <a:r>
+              <a:rPr/>
+              <a:t>OPEN API</a:t>
+            </a:r>
+          </a:p>
+        </p:txBody>
+      </p:sp>
+      <p:sp>
+        <p:nvSpPr>
+          <p:cNvPr id="3" name="Content Placeholder 2"/>
+          <p:cNvSpPr>
+            <a:spLocks noGrp="1"/>
+          </p:cNvSpPr>
+          <p:nvPr>
+            <p:ph idx="1"/>
+          </p:nvPr>
+        </p:nvSpPr>
+        <p:spPr/>
+        <p:txBody>
+          <a:bodyPr/>
+          <a:lstStyle/>
+          <a:p>
+            <a:pPr lvl="0"/>
+            <a:r>
+              <a:rPr/>
+              <a:t>Open API Generator</a:t>
+            </a:r>
+          </a:p>
+          <a:p>
+            <a:pPr lvl="1"/>
+            <a:r>
+              <a:rPr>
+                <a:hlinkClick r:id="rId2"/>
+              </a:rPr>
+              <a:t>https://openapi-generator.tech/</a:t>
+            </a:r>
+          </a:p>
+          <a:p>
+            <a:pPr lvl="0"/>
+            <a:r>
+              <a:rPr/>
+              <a:t>Open API Yaml Configurations</a:t>
+            </a:r>
+          </a:p>
+          <a:p>
+            <a:pPr lvl="1"/>
+            <a:r>
+              <a:rPr>
+                <a:hlinkClick r:id="rId3"/>
+              </a:rPr>
+              <a:t>GitHub - jdegre/5GC_APIs: RESTful APIs of main Network Functions in the 3GPP 5G Core Network</a:t>
+            </a:r>
+          </a:p>
+          <a:p>
+            <a:pPr lvl="0"/>
+            <a:r>
+              <a:rPr/>
+              <a:t>Open API AUSF Yaml Configuration</a:t>
+            </a:r>
+          </a:p>
+          <a:p>
+            <a:pPr lvl="1"/>
+            <a:r>
+              <a:rPr/>
+              <a:t>https://www.etsi.org/deliver/etsi_TS/129500_129599/129509/17.06.00_60/ts_129509v170600p.pdf</a:t>
+            </a:r>
+          </a:p>
+          <a:p>
+            <a:pPr lvl="1"/>
+            <a:r>
+              <a:rPr/>
+              <a:t>https://www.etsi.org/deliver/etsi_TS/129500_129599/129509/17.06.00_60/ts_129509v170600p0.zip</a:t>
             </a:r>
           </a:p>
         </p:txBody>
@@ -3615,6 +4221,110 @@
 </p:sld>
 </file>
 
+<file path=ppt/slides/slide20.xml><?xml version="1.0" encoding="utf-8"?>
+<p:sld xmlns:a="http://schemas.openxmlformats.org/drawingml/2006/main" xmlns:r="http://schemas.openxmlformats.org/officeDocument/2006/relationships" xmlns:p="http://schemas.openxmlformats.org/presentationml/2006/main">
+  <p:cSld>
+    <p:spTree>
+      <p:nvGrpSpPr>
+        <p:cNvPr id="1" name=""/>
+        <p:cNvGrpSpPr/>
+        <p:nvPr/>
+      </p:nvGrpSpPr>
+      <p:grpSpPr>
+        <a:xfrm>
+          <a:off x="0" y="0"/>
+          <a:ext cx="0" cy="0"/>
+          <a:chOff x="0" y="0"/>
+          <a:chExt cx="0" cy="0"/>
+        </a:xfrm>
+      </p:grpSpPr>
+      <mc:AlternateContent xmlns:mc="http://schemas.openxmlformats.org/markup-compatibility/2006">
+        <mc:Choice xmlns:a14="http://schemas.microsoft.com/office/drawing/2010/main" Requires="a14">
+          <p:sp>
+            <p:nvSpPr>
+              <p:cNvPr id="3" name="Content Placeholder 2"/>
+              <p:cNvSpPr>
+                <a:spLocks noGrp="1"/>
+              </p:cNvSpPr>
+              <p:nvPr>
+                <p:ph idx="1"/>
+              </p:nvPr>
+            </p:nvSpPr>
+            <p:spPr/>
+            <p:txBody>
+              <a:bodyPr/>
+              <a:lstStyle/>
+              <a:p>
+                <a:pPr lvl="0" indent="0" marL="0">
+                  <a:buNone/>
+                </a:pPr>
+                <a14:m>
+                  <m:oMathPara xmlns:m="http://schemas.openxmlformats.org/officeDocument/2006/math">
+                    <m:oMathParaPr>
+                      <m:jc m:val="center"/>
+                    </m:oMathParaPr>
+                    <m:oMath>
+                      <m:r>
+                        <m:t>E</m:t>
+                      </m:r>
+                      <m:r>
+                        <m:t>n</m:t>
+                      </m:r>
+                      <m:r>
+                        <m:t>d</m:t>
+                      </m:r>
+                      <m:r>
+                        <m:rPr>
+                          <m:sty m:val="p"/>
+                        </m:rPr>
+                        <m:t>−</m:t>
+                      </m:r>
+                      <m:r>
+                        <m:t>o</m:t>
+                      </m:r>
+                      <m:r>
+                        <m:t>f</m:t>
+                      </m:r>
+                      <m:r>
+                        <m:rPr>
+                          <m:sty m:val="p"/>
+                        </m:rPr>
+                        <m:t>−</m:t>
+                      </m:r>
+                      <m:r>
+                        <m:t>W</m:t>
+                      </m:r>
+                      <m:r>
+                        <m:t>e</m:t>
+                      </m:r>
+                      <m:r>
+                        <m:t>e</m:t>
+                      </m:r>
+                      <m:r>
+                        <m:t>k</m:t>
+                      </m:r>
+                      <m:r>
+                        <m:rPr>
+                          <m:sty m:val="p"/>
+                        </m:rPr>
+                        <m:t>−</m:t>
+                      </m:r>
+                      <m:r>
+                        <m:t>1</m:t>
+                      </m:r>
+                    </m:oMath>
+                  </m:oMathPara>
+                </a14:m>
+              </a:p>
+            </p:txBody>
+          </p:sp>
+        </mc:Choice>
+      </mc:AlternateContent>
+    </p:spTree>
+  </p:cSld>
+</p:sld>
+</file>
+
 <file path=ppt/slides/slide3.xml><?xml version="1.0" encoding="utf-8"?>
 <p:sld xmlns:a="http://schemas.openxmlformats.org/drawingml/2006/main" xmlns:r="http://schemas.openxmlformats.org/officeDocument/2006/relationships" xmlns:p="http://schemas.openxmlformats.org/presentationml/2006/main">
   <p:cSld>
@@ -3789,41 +4499,76 @@
             </a:pPr>
             <a:r>
               <a:rPr/>
-              <a:t>Introduction to Data Structures</a:t>
-            </a:r>
-          </a:p>
-        </p:txBody>
-      </p:sp>
-      <p:pic>
-        <p:nvPicPr>
-          <p:cNvPr descr="https://lh4.googleusercontent.com/3kPUGkXoRyDKUZ-XG3I94EHvhwd8sqr2GjrCTV69Qj6UdezTirzRYh3-bgthUThwdJcxFxXLMnMIK60_tJZgObLVpjNTDswjx3He9tBBqtjj6PVpnxv5roky86klIVqglHVVDvlf" id="0" name="Picture 1"/>
-          <p:cNvPicPr>
-            <a:picLocks noGrp="1" noChangeAspect="1"/>
-          </p:cNvPicPr>
-          <p:nvPr/>
-        </p:nvPicPr>
-        <p:blipFill>
-          <a:blip r:embed="rId2"/>
-          <a:stretch>
-            <a:fillRect/>
-          </a:stretch>
-        </p:blipFill>
-        <p:spPr bwMode="auto">
-          <a:xfrm>
-            <a:off x="457200" y="1854200"/>
-            <a:ext cx="8229600" cy="4025900"/>
-          </a:xfrm>
-          <a:prstGeom prst="rect">
-            <a:avLst/>
-          </a:prstGeom>
-          <a:noFill/>
-          <a:ln w="9525">
-            <a:noFill/>
-            <a:headEnd/>
-            <a:tailEnd/>
-          </a:ln>
-        </p:spPr>
-      </p:pic>
+              <a:t>Outline</a:t>
+            </a:r>
+          </a:p>
+        </p:txBody>
+      </p:sp>
+      <p:sp>
+        <p:nvSpPr>
+          <p:cNvPr id="3" name="Content Placeholder 2"/>
+          <p:cNvSpPr>
+            <a:spLocks noGrp="1"/>
+          </p:cNvSpPr>
+          <p:nvPr>
+            <p:ph idx="1"/>
+          </p:nvPr>
+        </p:nvSpPr>
+        <p:spPr/>
+        <p:txBody>
+          <a:bodyPr/>
+          <a:lstStyle/>
+          <a:p>
+            <a:pPr lvl="0"/>
+            <a:r>
+              <a:rPr/>
+              <a:t>Data States</a:t>
+            </a:r>
+          </a:p>
+          <a:p>
+            <a:pPr lvl="0"/>
+            <a:r>
+              <a:rPr/>
+              <a:t>Data Structure Metrics</a:t>
+            </a:r>
+          </a:p>
+          <a:p>
+            <a:pPr lvl="0"/>
+            <a:r>
+              <a:rPr/>
+              <a:t>Data Mapping</a:t>
+            </a:r>
+          </a:p>
+          <a:p>
+            <a:pPr lvl="0"/>
+            <a:r>
+              <a:rPr/>
+              <a:t>Data Structure Selection</a:t>
+            </a:r>
+          </a:p>
+          <a:p>
+            <a:pPr lvl="0"/>
+            <a:r>
+              <a:rPr/>
+              <a:t>Data Structure References</a:t>
+            </a:r>
+          </a:p>
+          <a:p>
+            <a:pPr lvl="0"/>
+            <a:r>
+              <a:rPr/>
+              <a:t>Industrial Data Standards (ASN.1,BER-TLV,etc.)</a:t>
+            </a:r>
+          </a:p>
+          <a:p>
+            <a:pPr lvl="0"/>
+            <a:r>
+              <a:rPr/>
+              <a:t>Trends (Open API, 5G Systems etc.)</a:t>
+            </a:r>
+          </a:p>
+        </p:txBody>
+      </p:sp>
     </p:spTree>
   </p:cSld>
 </p:sld>
@@ -3848,15 +4593,20 @@
       </p:grpSpPr>
       <p:sp>
         <p:nvSpPr>
-          <p:cNvPr id="3" name="Content Placeholder 2"/>
-          <p:cNvSpPr>
-            <a:spLocks noGrp="1"/>
-          </p:cNvSpPr>
-          <p:nvPr>
-            <p:ph idx="1"/>
-          </p:nvPr>
-        </p:nvSpPr>
-        <p:spPr/>
+          <p:cNvPr id="2" name="Title 1"/>
+          <p:cNvSpPr>
+            <a:spLocks noGrp="1"/>
+          </p:cNvSpPr>
+          <p:nvPr>
+            <p:ph type="title"/>
+          </p:nvPr>
+        </p:nvSpPr>
+        <p:spPr>
+          <a:xfrm>
+            <a:off x="722313" y="4406900"/>
+            <a:ext cx="7772400" cy="1362075"/>
+          </a:xfrm>
+        </p:spPr>
         <p:txBody>
           <a:bodyPr/>
           <a:lstStyle/>
@@ -3866,52 +4616,7 @@
             </a:pPr>
             <a:r>
               <a:rPr/>
-              <a:t>Data-in-use</a:t>
-            </a:r>
-          </a:p>
-          <a:p>
-            <a:pPr lvl="0"/>
-            <a:r>
-              <a:rPr>
-                <a:hlinkClick r:id="rId2"/>
-              </a:rPr>
-              <a:t>Data in use - Wikipedia</a:t>
-            </a:r>
-          </a:p>
-          <a:p>
-            <a:pPr lvl="0" indent="0" marL="0">
-              <a:buNone/>
-            </a:pPr>
-            <a:r>
-              <a:rPr/>
-              <a:t>Data-in-transit</a:t>
-            </a:r>
-          </a:p>
-          <a:p>
-            <a:pPr lvl="0"/>
-            <a:r>
-              <a:rPr>
-                <a:hlinkClick r:id="rId3"/>
-              </a:rPr>
-              <a:t>Data in transit - Wikipedia</a:t>
-            </a:r>
-          </a:p>
-          <a:p>
-            <a:pPr lvl="0" indent="0" marL="0">
-              <a:buNone/>
-            </a:pPr>
-            <a:r>
-              <a:rPr/>
-              <a:t>Data-at-rest</a:t>
-            </a:r>
-          </a:p>
-          <a:p>
-            <a:pPr lvl="0"/>
-            <a:r>
-              <a:rPr>
-                <a:hlinkClick r:id="rId4"/>
-              </a:rPr>
-              <a:t>Data at rest - Wikipedia</a:t>
+              <a:t>Introduction to Data Structures</a:t>
             </a:r>
           </a:p>
         </p:txBody>
@@ -3940,12 +4645,12 @@
       </p:grpSpPr>
       <p:sp>
         <p:nvSpPr>
-          <p:cNvPr id="3" name="Content Placeholder 2"/>
-          <p:cNvSpPr>
-            <a:spLocks noGrp="1"/>
-          </p:cNvSpPr>
-          <p:nvPr>
-            <p:ph idx="1"/>
+          <p:cNvPr id="2" name="Title 1"/>
+          <p:cNvSpPr>
+            <a:spLocks noGrp="1"/>
+          </p:cNvSpPr>
+          <p:nvPr>
+            <p:ph type="title"/>
           </p:nvPr>
         </p:nvSpPr>
         <p:spPr/>
@@ -3958,52 +4663,67 @@
             </a:pPr>
             <a:r>
               <a:rPr/>
-              <a:t>Performance Analysis</a:t>
-            </a:r>
-          </a:p>
-          <a:p>
-            <a:pPr lvl="0"/>
-            <a:r>
-              <a:rPr>
-                <a:hlinkClick r:id="rId2"/>
-              </a:rPr>
-              <a:t>Data Structures Tutorials - Performance Analysis with examples</a:t>
-            </a:r>
-          </a:p>
-          <a:p>
-            <a:pPr lvl="0" indent="0" marL="0">
+              <a:t>Data States</a:t>
+            </a:r>
+          </a:p>
+        </p:txBody>
+      </p:sp>
+      <p:pic>
+        <p:nvPicPr>
+          <p:cNvPr descr="fig:  https://lh4.googleusercontent.com/3kPUGkXoRyDKUZ-XG3I94EHvhwd8sqr2GjrCTV69Qj6UdezTirzRYh3-bgthUThwdJcxFxXLMnMIK60_tJZgObLVpjNTDswjx3He9tBBqtjj6PVpnxv5roky86klIVqglHVVDvlf" id="0" name="Picture 1"/>
+          <p:cNvPicPr>
+            <a:picLocks noGrp="1" noChangeAspect="1"/>
+          </p:cNvPicPr>
+          <p:nvPr/>
+        </p:nvPicPr>
+        <p:blipFill>
+          <a:blip r:embed="rId2"/>
+          <a:stretch>
+            <a:fillRect/>
+          </a:stretch>
+        </p:blipFill>
+        <p:spPr bwMode="auto">
+          <a:xfrm>
+            <a:off x="469900" y="1600200"/>
+            <a:ext cx="8216900" cy="4013200"/>
+          </a:xfrm>
+          <a:prstGeom prst="rect">
+            <a:avLst/>
+          </a:prstGeom>
+          <a:noFill/>
+          <a:ln w="9525">
+            <a:noFill/>
+            <a:headEnd/>
+            <a:tailEnd/>
+          </a:ln>
+        </p:spPr>
+      </p:pic>
+      <p:sp>
+        <p:nvSpPr>
+          <p:cNvPr id="1" name="TextBox 3"/>
+          <p:cNvSpPr txBox="1"/>
+          <p:nvPr/>
+        </p:nvSpPr>
+        <p:spPr>
+          <a:xfrm>
+            <a:off x="457200" y="5613400"/>
+            <a:ext cx="8229600" cy="508000"/>
+          </a:xfrm>
+          <a:prstGeom prst="rect">
+            <a:avLst/>
+          </a:prstGeom>
+          <a:noFill/>
+        </p:spPr>
+        <p:txBody>
+          <a:bodyPr/>
+          <a:lstStyle/>
+          <a:p>
+            <a:pPr lvl="0" indent="0" marL="0" algn="ctr">
               <a:buNone/>
             </a:pPr>
             <a:r>
               <a:rPr/>
-              <a:t>Space Complexity</a:t>
-            </a:r>
-          </a:p>
-          <a:p>
-            <a:pPr lvl="0"/>
-            <a:r>
-              <a:rPr>
-                <a:hlinkClick r:id="rId3"/>
-              </a:rPr>
-              <a:t>Data Structures Tutorials - Space Complexity with examples</a:t>
-            </a:r>
-          </a:p>
-          <a:p>
-            <a:pPr lvl="0" indent="0" marL="0">
-              <a:buNone/>
-            </a:pPr>
-            <a:r>
-              <a:rPr/>
-              <a:t>Time Complexity</a:t>
-            </a:r>
-          </a:p>
-          <a:p>
-            <a:pPr lvl="0"/>
-            <a:r>
-              <a:rPr>
-                <a:hlinkClick r:id="rId4"/>
-              </a:rPr>
-              <a:t>Data Structures Tutorials - Time Complexity with examples</a:t>
+              <a:t>center width:900px</a:t>
             </a:r>
           </a:p>
         </p:txBody>
@@ -4032,6 +4752,31 @@
       </p:grpSpPr>
       <p:sp>
         <p:nvSpPr>
+          <p:cNvPr id="2" name="Title 1"/>
+          <p:cNvSpPr>
+            <a:spLocks noGrp="1"/>
+          </p:cNvSpPr>
+          <p:nvPr>
+            <p:ph type="title"/>
+          </p:nvPr>
+        </p:nvSpPr>
+        <p:spPr/>
+        <p:txBody>
+          <a:bodyPr/>
+          <a:lstStyle/>
+          <a:p>
+            <a:pPr lvl="0" indent="0" marL="0">
+              <a:buNone/>
+            </a:pPr>
+            <a:r>
+              <a:rPr/>
+              <a:t>Data States</a:t>
+            </a:r>
+          </a:p>
+        </p:txBody>
+      </p:sp>
+      <p:sp>
+        <p:nvSpPr>
           <p:cNvPr id="3" name="Content Placeholder 2"/>
           <p:cNvSpPr>
             <a:spLocks noGrp="1"/>
@@ -4050,7 +4795,7 @@
             </a:pPr>
             <a:r>
               <a:rPr/>
-              <a:t>Data and Variables</a:t>
+              <a:t>Data-in-use</a:t>
             </a:r>
           </a:p>
           <a:p>
@@ -4059,7 +4804,43 @@
               <a:rPr>
                 <a:hlinkClick r:id="rId2"/>
               </a:rPr>
-              <a:t>C++ Data Types</a:t>
+              <a:t>Data in use - Wikipedia</a:t>
+            </a:r>
+          </a:p>
+          <a:p>
+            <a:pPr lvl="0" indent="0" marL="0">
+              <a:buNone/>
+            </a:pPr>
+            <a:r>
+              <a:rPr/>
+              <a:t>Data-in-transit</a:t>
+            </a:r>
+          </a:p>
+          <a:p>
+            <a:pPr lvl="0"/>
+            <a:r>
+              <a:rPr>
+                <a:hlinkClick r:id="rId3"/>
+              </a:rPr>
+              <a:t>Data in transit - Wikipedia</a:t>
+            </a:r>
+          </a:p>
+          <a:p>
+            <a:pPr lvl="0" indent="0" marL="0">
+              <a:buNone/>
+            </a:pPr>
+            <a:r>
+              <a:rPr/>
+              <a:t>Data-at-rest</a:t>
+            </a:r>
+          </a:p>
+          <a:p>
+            <a:pPr lvl="0"/>
+            <a:r>
+              <a:rPr>
+                <a:hlinkClick r:id="rId4"/>
+              </a:rPr>
+              <a:t>Data at rest - Wikipedia</a:t>
             </a:r>
           </a:p>
         </p:txBody>
@@ -4088,6 +4869,31 @@
       </p:grpSpPr>
       <p:sp>
         <p:nvSpPr>
+          <p:cNvPr id="2" name="Title 1"/>
+          <p:cNvSpPr>
+            <a:spLocks noGrp="1"/>
+          </p:cNvSpPr>
+          <p:nvPr>
+            <p:ph type="title"/>
+          </p:nvPr>
+        </p:nvSpPr>
+        <p:spPr/>
+        <p:txBody>
+          <a:bodyPr/>
+          <a:lstStyle/>
+          <a:p>
+            <a:pPr lvl="0" indent="0" marL="0">
+              <a:buNone/>
+            </a:pPr>
+            <a:r>
+              <a:rPr/>
+              <a:t>Data Structure Metrics</a:t>
+            </a:r>
+          </a:p>
+        </p:txBody>
+      </p:sp>
+      <p:sp>
+        <p:nvSpPr>
           <p:cNvPr id="3" name="Content Placeholder 2"/>
           <p:cNvSpPr>
             <a:spLocks noGrp="1"/>
@@ -4106,7 +4912,7 @@
             </a:pPr>
             <a:r>
               <a:rPr/>
-              <a:t>Linear &amp; Non-Linear Data Structures</a:t>
+              <a:t>Performance Analysis</a:t>
             </a:r>
           </a:p>
           <a:p>
@@ -4115,7 +4921,16 @@
               <a:rPr>
                 <a:hlinkClick r:id="rId2"/>
               </a:rPr>
-              <a:t>Data Structures Tutorials - Linear and Non-linear types</a:t>
+              <a:t>Data Structures Tutorials - Performance Analysis with examples</a:t>
+            </a:r>
+          </a:p>
+          <a:p>
+            <a:pPr lvl="0" indent="0" marL="0">
+              <a:buNone/>
+            </a:pPr>
+            <a:r>
+              <a:rPr/>
+              <a:t>Space Complexity</a:t>
             </a:r>
           </a:p>
           <a:p>
@@ -4124,7 +4939,25 @@
               <a:rPr>
                 <a:hlinkClick r:id="rId3"/>
               </a:rPr>
-              <a:t>Data Structure and Types</a:t>
+              <a:t>Data Structures Tutorials - Space Complexity with examples</a:t>
+            </a:r>
+          </a:p>
+          <a:p>
+            <a:pPr lvl="0" indent="0" marL="0">
+              <a:buNone/>
+            </a:pPr>
+            <a:r>
+              <a:rPr/>
+              <a:t>Time Complexity</a:t>
+            </a:r>
+          </a:p>
+          <a:p>
+            <a:pPr lvl="0"/>
+            <a:r>
+              <a:rPr>
+                <a:hlinkClick r:id="rId4"/>
+              </a:rPr>
+              <a:t>Data Structures Tutorials - Time Complexity with examples</a:t>
             </a:r>
           </a:p>
         </p:txBody>

--- a/docs/week-1-intro/ce205-week-1-intro.md_word.pptx
+++ b/docs/week-1-intro/ce205-week-1-intro.md_word.pptx
@@ -4280,7 +4280,7 @@
                         <m:t>−</m:t>
                       </m:r>
                       <m:r>
-                        <m:t>o</m:t>
+                        <m:t>O</m:t>
                       </m:r>
                       <m:r>
                         <m:t>f</m:t>
